--- a/hackaton/Flow.pptx
+++ b/hackaton/Flow.pptx
@@ -5,8 +5,10 @@
     <p:sldMasterId id="2147483648" r:id="rId1"/>
   </p:sldMasterIdLst>
   <p:sldIdLst>
-    <p:sldId id="256" r:id="rId2"/>
-    <p:sldId id="257" r:id="rId3"/>
+    <p:sldId id="257" r:id="rId2"/>
+    <p:sldId id="256" r:id="rId3"/>
+    <p:sldId id="258" r:id="rId4"/>
+    <p:sldId id="259" r:id="rId5"/>
   </p:sldIdLst>
   <p:sldSz cx="12192000" cy="6858000"/>
   <p:notesSz cx="6858000" cy="9144000"/>
@@ -105,6 +107,11 @@
       </a:defRPr>
     </a:lvl9pPr>
   </p:defaultTextStyle>
+  <p:extLst>
+    <p:ext uri="{EFAFB233-063F-42B5-8137-9DF3F51BA10A}">
+      <p15:sldGuideLst xmlns:p15="http://schemas.microsoft.com/office/powerpoint/2012/main"/>
+    </p:ext>
+  </p:extLst>
 </p:presentation>
 </file>
 
@@ -255,7 +262,7 @@
           <a:p>
             <a:fld id="{394AF938-E7F6-4746-8376-B7A663C304A9}" type="datetimeFigureOut">
               <a:rPr lang="en-US" smtClean="0"/>
-              <a:t>9/19/2022</a:t>
+              <a:t>9/20/2022</a:t>
             </a:fld>
             <a:endParaRPr lang="en-US"/>
           </a:p>
@@ -453,7 +460,7 @@
           <a:p>
             <a:fld id="{394AF938-E7F6-4746-8376-B7A663C304A9}" type="datetimeFigureOut">
               <a:rPr lang="en-US" smtClean="0"/>
-              <a:t>9/19/2022</a:t>
+              <a:t>9/20/2022</a:t>
             </a:fld>
             <a:endParaRPr lang="en-US"/>
           </a:p>
@@ -661,7 +668,7 @@
           <a:p>
             <a:fld id="{394AF938-E7F6-4746-8376-B7A663C304A9}" type="datetimeFigureOut">
               <a:rPr lang="en-US" smtClean="0"/>
-              <a:t>9/19/2022</a:t>
+              <a:t>9/20/2022</a:t>
             </a:fld>
             <a:endParaRPr lang="en-US"/>
           </a:p>
@@ -859,7 +866,7 @@
           <a:p>
             <a:fld id="{394AF938-E7F6-4746-8376-B7A663C304A9}" type="datetimeFigureOut">
               <a:rPr lang="en-US" smtClean="0"/>
-              <a:t>9/19/2022</a:t>
+              <a:t>9/20/2022</a:t>
             </a:fld>
             <a:endParaRPr lang="en-US"/>
           </a:p>
@@ -1134,7 +1141,7 @@
           <a:p>
             <a:fld id="{394AF938-E7F6-4746-8376-B7A663C304A9}" type="datetimeFigureOut">
               <a:rPr lang="en-US" smtClean="0"/>
-              <a:t>9/19/2022</a:t>
+              <a:t>9/20/2022</a:t>
             </a:fld>
             <a:endParaRPr lang="en-US"/>
           </a:p>
@@ -1399,7 +1406,7 @@
           <a:p>
             <a:fld id="{394AF938-E7F6-4746-8376-B7A663C304A9}" type="datetimeFigureOut">
               <a:rPr lang="en-US" smtClean="0"/>
-              <a:t>9/19/2022</a:t>
+              <a:t>9/20/2022</a:t>
             </a:fld>
             <a:endParaRPr lang="en-US"/>
           </a:p>
@@ -1811,7 +1818,7 @@
           <a:p>
             <a:fld id="{394AF938-E7F6-4746-8376-B7A663C304A9}" type="datetimeFigureOut">
               <a:rPr lang="en-US" smtClean="0"/>
-              <a:t>9/19/2022</a:t>
+              <a:t>9/20/2022</a:t>
             </a:fld>
             <a:endParaRPr lang="en-US"/>
           </a:p>
@@ -1952,7 +1959,7 @@
           <a:p>
             <a:fld id="{394AF938-E7F6-4746-8376-B7A663C304A9}" type="datetimeFigureOut">
               <a:rPr lang="en-US" smtClean="0"/>
-              <a:t>9/19/2022</a:t>
+              <a:t>9/20/2022</a:t>
             </a:fld>
             <a:endParaRPr lang="en-US"/>
           </a:p>
@@ -2065,7 +2072,7 @@
           <a:p>
             <a:fld id="{394AF938-E7F6-4746-8376-B7A663C304A9}" type="datetimeFigureOut">
               <a:rPr lang="en-US" smtClean="0"/>
-              <a:t>9/19/2022</a:t>
+              <a:t>9/20/2022</a:t>
             </a:fld>
             <a:endParaRPr lang="en-US"/>
           </a:p>
@@ -2376,7 +2383,7 @@
           <a:p>
             <a:fld id="{394AF938-E7F6-4746-8376-B7A663C304A9}" type="datetimeFigureOut">
               <a:rPr lang="en-US" smtClean="0"/>
-              <a:t>9/19/2022</a:t>
+              <a:t>9/20/2022</a:t>
             </a:fld>
             <a:endParaRPr lang="en-US"/>
           </a:p>
@@ -2664,7 +2671,7 @@
           <a:p>
             <a:fld id="{394AF938-E7F6-4746-8376-B7A663C304A9}" type="datetimeFigureOut">
               <a:rPr lang="en-US" smtClean="0"/>
-              <a:t>9/19/2022</a:t>
+              <a:t>9/20/2022</a:t>
             </a:fld>
             <a:endParaRPr lang="en-US"/>
           </a:p>
@@ -2905,7 +2912,7 @@
           <a:p>
             <a:fld id="{394AF938-E7F6-4746-8376-B7A663C304A9}" type="datetimeFigureOut">
               <a:rPr lang="en-US" smtClean="0"/>
-              <a:t>9/19/2022</a:t>
+              <a:t>9/20/2022</a:t>
             </a:fld>
             <a:endParaRPr lang="en-US"/>
           </a:p>
@@ -3324,6 +3331,239 @@
       </p:grpSpPr>
       <p:sp>
         <p:nvSpPr>
+          <p:cNvPr id="2" name="Title 1">
+            <a:extLst>
+              <a:ext uri="{FF2B5EF4-FFF2-40B4-BE49-F238E27FC236}">
+                <a16:creationId xmlns:a16="http://schemas.microsoft.com/office/drawing/2014/main" id="{2B7078BA-E04E-DAA2-F318-218748CF44FB}"/>
+              </a:ext>
+            </a:extLst>
+          </p:cNvPr>
+          <p:cNvSpPr>
+            <a:spLocks noGrp="1"/>
+          </p:cNvSpPr>
+          <p:nvPr>
+            <p:ph type="title"/>
+          </p:nvPr>
+        </p:nvSpPr>
+        <p:spPr/>
+        <p:txBody>
+          <a:bodyPr/>
+          <a:lstStyle/>
+          <a:p>
+            <a:r>
+              <a:rPr lang="en-US" dirty="0"/>
+              <a:t>Work Done</a:t>
+            </a:r>
+          </a:p>
+        </p:txBody>
+      </p:sp>
+      <p:sp>
+        <p:nvSpPr>
+          <p:cNvPr id="3" name="Content Placeholder 2">
+            <a:extLst>
+              <a:ext uri="{FF2B5EF4-FFF2-40B4-BE49-F238E27FC236}">
+                <a16:creationId xmlns:a16="http://schemas.microsoft.com/office/drawing/2014/main" id="{01D3CBE0-3FEC-1311-7423-A0EC3FFFB260}"/>
+              </a:ext>
+            </a:extLst>
+          </p:cNvPr>
+          <p:cNvSpPr>
+            <a:spLocks noGrp="1"/>
+          </p:cNvSpPr>
+          <p:nvPr>
+            <p:ph idx="1"/>
+          </p:nvPr>
+        </p:nvSpPr>
+        <p:spPr/>
+        <p:txBody>
+          <a:bodyPr/>
+          <a:lstStyle/>
+          <a:p>
+            <a:r>
+              <a:rPr lang="en-US" dirty="0"/>
+              <a:t>Day 1</a:t>
+            </a:r>
+          </a:p>
+          <a:p>
+            <a:pPr>
+              <a:buFontTx/>
+              <a:buChar char="-"/>
+            </a:pPr>
+            <a:r>
+              <a:rPr lang="en-US" sz="1800" dirty="0"/>
+              <a:t>Kudos to Marius for the support on the SPN </a:t>
+            </a:r>
+            <a:r>
+              <a:rPr lang="en-US" sz="1800" dirty="0">
+                <a:sym typeface="Wingdings" panose="05000000000000000000" pitchFamily="2" charset="2"/>
+              </a:rPr>
+              <a:t></a:t>
+            </a:r>
+            <a:endParaRPr lang="en-US" sz="1800" dirty="0"/>
+          </a:p>
+          <a:p>
+            <a:pPr>
+              <a:buFontTx/>
+              <a:buChar char="-"/>
+            </a:pPr>
+            <a:r>
+              <a:rPr lang="en-US" sz="1800" dirty="0"/>
+              <a:t>Get the deployment objects </a:t>
+            </a:r>
+          </a:p>
+          <a:p>
+            <a:pPr lvl="1">
+              <a:buFontTx/>
+              <a:buChar char="-"/>
+            </a:pPr>
+            <a:r>
+              <a:rPr lang="en-US" sz="1400" dirty="0"/>
+              <a:t>Cmdlets</a:t>
+            </a:r>
+          </a:p>
+          <a:p>
+            <a:pPr lvl="1">
+              <a:buFontTx/>
+              <a:buChar char="-"/>
+            </a:pPr>
+            <a:r>
+              <a:rPr lang="en-US" sz="1400" dirty="0"/>
+              <a:t>Rest API</a:t>
+            </a:r>
+          </a:p>
+          <a:p>
+            <a:pPr>
+              <a:buFontTx/>
+              <a:buChar char="-"/>
+            </a:pPr>
+            <a:r>
+              <a:rPr lang="en-US" sz="1800" dirty="0"/>
+              <a:t>Get the modules from the releases</a:t>
+            </a:r>
+          </a:p>
+          <a:p>
+            <a:pPr lvl="1">
+              <a:buFontTx/>
+              <a:buChar char="-"/>
+            </a:pPr>
+            <a:r>
+              <a:rPr lang="en-US" sz="1400" dirty="0"/>
+              <a:t>Release 0.7.0</a:t>
+            </a:r>
+          </a:p>
+          <a:p>
+            <a:pPr>
+              <a:buFontTx/>
+              <a:buChar char="-"/>
+            </a:pPr>
+            <a:r>
+              <a:rPr lang="en-US" sz="1800" dirty="0"/>
+              <a:t>Generate hash</a:t>
+            </a:r>
+          </a:p>
+          <a:p>
+            <a:pPr>
+              <a:buFontTx/>
+              <a:buChar char="-"/>
+            </a:pPr>
+            <a:r>
+              <a:rPr lang="en-US" sz="1800" dirty="0"/>
+              <a:t>Upload data to storage account table</a:t>
+            </a:r>
+          </a:p>
+          <a:p>
+            <a:pPr>
+              <a:buFontTx/>
+              <a:buChar char="-"/>
+            </a:pPr>
+            <a:r>
+              <a:rPr lang="en-US" sz="1800" dirty="0"/>
+              <a:t>Initial version of PBI Dashboard (Basic Data model)</a:t>
+            </a:r>
+          </a:p>
+          <a:p>
+            <a:pPr>
+              <a:buFontTx/>
+              <a:buChar char="-"/>
+            </a:pPr>
+            <a:endParaRPr lang="en-US" sz="1800" dirty="0"/>
+          </a:p>
+          <a:p>
+            <a:pPr marL="0" indent="0">
+              <a:buNone/>
+            </a:pPr>
+            <a:r>
+              <a:rPr lang="en-US" sz="1800" b="1" dirty="0"/>
+              <a:t>Team</a:t>
+            </a:r>
+            <a:r>
+              <a:rPr lang="en-US" sz="1800" dirty="0"/>
+              <a:t>: Tomaz, Felix, Bram, Jose Luis, Jordi</a:t>
+            </a:r>
+          </a:p>
+        </p:txBody>
+      </p:sp>
+      <p:pic>
+        <p:nvPicPr>
+          <p:cNvPr id="5" name="Picture 4">
+            <a:extLst>
+              <a:ext uri="{FF2B5EF4-FFF2-40B4-BE49-F238E27FC236}">
+                <a16:creationId xmlns:a16="http://schemas.microsoft.com/office/drawing/2014/main" id="{A8DA8C77-AD97-D25B-D474-7520CC4DB848}"/>
+              </a:ext>
+            </a:extLst>
+          </p:cNvPr>
+          <p:cNvPicPr>
+            <a:picLocks noChangeAspect="1"/>
+          </p:cNvPicPr>
+          <p:nvPr/>
+        </p:nvPicPr>
+        <p:blipFill>
+          <a:blip r:embed="rId2"/>
+          <a:stretch>
+            <a:fillRect/>
+          </a:stretch>
+        </p:blipFill>
+        <p:spPr>
+          <a:xfrm>
+            <a:off x="6323308" y="2228581"/>
+            <a:ext cx="5753606" cy="3180328"/>
+          </a:xfrm>
+          <a:prstGeom prst="rect">
+            <a:avLst/>
+          </a:prstGeom>
+        </p:spPr>
+      </p:pic>
+    </p:spTree>
+    <p:extLst>
+      <p:ext uri="{BB962C8B-B14F-4D97-AF65-F5344CB8AC3E}">
+        <p14:creationId xmlns:p14="http://schemas.microsoft.com/office/powerpoint/2010/main" val="2613105280"/>
+      </p:ext>
+    </p:extLst>
+  </p:cSld>
+  <p:clrMapOvr>
+    <a:masterClrMapping/>
+  </p:clrMapOvr>
+</p:sld>
+</file>
+
+<file path=ppt/slides/slide2.xml><?xml version="1.0" encoding="utf-8"?>
+<p:sld xmlns:a="http://schemas.openxmlformats.org/drawingml/2006/main" xmlns:r="http://schemas.openxmlformats.org/officeDocument/2006/relationships" xmlns:p="http://schemas.openxmlformats.org/presentationml/2006/main">
+  <p:cSld>
+    <p:spTree>
+      <p:nvGrpSpPr>
+        <p:cNvPr id="1" name=""/>
+        <p:cNvGrpSpPr/>
+        <p:nvPr/>
+      </p:nvGrpSpPr>
+      <p:grpSpPr>
+        <a:xfrm>
+          <a:off x="0" y="0"/>
+          <a:ext cx="0" cy="0"/>
+          <a:chOff x="0" y="0"/>
+          <a:chExt cx="0" cy="0"/>
+        </a:xfrm>
+      </p:grpSpPr>
+      <p:sp>
+        <p:nvSpPr>
           <p:cNvPr id="6" name="Rectangle 5">
             <a:extLst>
               <a:ext uri="{FF2B5EF4-FFF2-40B4-BE49-F238E27FC236}">
@@ -3726,7 +3966,7 @@
 </p:sld>
 </file>
 
-<file path=ppt/slides/slide2.xml><?xml version="1.0" encoding="utf-8"?>
+<file path=ppt/slides/slide3.xml><?xml version="1.0" encoding="utf-8"?>
 <p:sld xmlns:a="http://schemas.openxmlformats.org/drawingml/2006/main" xmlns:r="http://schemas.openxmlformats.org/officeDocument/2006/relationships" xmlns:p="http://schemas.openxmlformats.org/presentationml/2006/main">
   <p:cSld>
     <p:spTree>
@@ -3764,7 +4004,10 @@
           <a:bodyPr/>
           <a:lstStyle/>
           <a:p>
-            <a:endParaRPr lang="en-US"/>
+            <a:r>
+              <a:rPr lang="en-US" dirty="0"/>
+              <a:t>Work Done</a:t>
+            </a:r>
           </a:p>
         </p:txBody>
       </p:sp>
@@ -3786,17 +4029,205 @@
         </p:nvSpPr>
         <p:spPr/>
         <p:txBody>
-          <a:bodyPr/>
-          <a:lstStyle/>
-          <a:p>
-            <a:endParaRPr lang="en-US"/>
+          <a:bodyPr>
+            <a:normAutofit/>
+          </a:bodyPr>
+          <a:lstStyle/>
+          <a:p>
+            <a:r>
+              <a:rPr lang="en-US" dirty="0"/>
+              <a:t>Day 2</a:t>
+            </a:r>
+          </a:p>
+          <a:p>
+            <a:pPr>
+              <a:buFontTx/>
+              <a:buChar char="-"/>
+            </a:pPr>
+            <a:r>
+              <a:rPr lang="en-US" sz="1800" dirty="0"/>
+              <a:t>Validate Hash</a:t>
+            </a:r>
+          </a:p>
+          <a:p>
+            <a:pPr>
+              <a:buFontTx/>
+              <a:buChar char="-"/>
+            </a:pPr>
+            <a:r>
+              <a:rPr lang="en-US" sz="1800" dirty="0"/>
+              <a:t>Finish function to upload data to storage account table</a:t>
+            </a:r>
+          </a:p>
+          <a:p>
+            <a:pPr>
+              <a:buFontTx/>
+              <a:buChar char="-"/>
+            </a:pPr>
+            <a:r>
+              <a:rPr lang="en-US" sz="1800" dirty="0"/>
+              <a:t>Start working on the deployment of the backend (</a:t>
+            </a:r>
+            <a:r>
+              <a:rPr lang="en-US" sz="1800" b="1" dirty="0"/>
+              <a:t>function</a:t>
+            </a:r>
+            <a:r>
+              <a:rPr lang="en-US" sz="1800" dirty="0"/>
+              <a:t>/automation account)</a:t>
+            </a:r>
+          </a:p>
+          <a:p>
+            <a:pPr lvl="1">
+              <a:buFontTx/>
+              <a:buChar char="-"/>
+            </a:pPr>
+            <a:r>
+              <a:rPr lang="en-US" sz="1400" dirty="0"/>
+              <a:t>Trigger based on number of deployments (limit 800)</a:t>
+            </a:r>
+          </a:p>
+          <a:p>
+            <a:pPr>
+              <a:buFontTx/>
+              <a:buChar char="-"/>
+            </a:pPr>
+            <a:endParaRPr lang="en-US" sz="1800" dirty="0"/>
+          </a:p>
+          <a:p>
+            <a:pPr>
+              <a:buFontTx/>
+              <a:buChar char="-"/>
+            </a:pPr>
+            <a:endParaRPr lang="en-US" sz="1800" dirty="0"/>
+          </a:p>
+          <a:p>
+            <a:pPr>
+              <a:buFontTx/>
+              <a:buChar char="-"/>
+            </a:pPr>
+            <a:endParaRPr lang="en-US" sz="1800" dirty="0"/>
+          </a:p>
+          <a:p>
+            <a:pPr>
+              <a:buFontTx/>
+              <a:buChar char="-"/>
+            </a:pPr>
+            <a:endParaRPr lang="en-US" sz="1800" dirty="0"/>
+          </a:p>
+          <a:p>
+            <a:pPr>
+              <a:buFontTx/>
+              <a:buChar char="-"/>
+            </a:pPr>
+            <a:endParaRPr lang="en-US" sz="1800" dirty="0"/>
+          </a:p>
+          <a:p>
+            <a:pPr marL="0" indent="0">
+              <a:buNone/>
+            </a:pPr>
+            <a:r>
+              <a:rPr lang="en-US" sz="1800" b="1" dirty="0"/>
+              <a:t>Team</a:t>
+            </a:r>
+            <a:r>
+              <a:rPr lang="en-US" sz="1800" dirty="0"/>
+              <a:t>: Limited availability*</a:t>
+            </a:r>
+          </a:p>
+          <a:p>
+            <a:pPr>
+              <a:buFontTx/>
+              <a:buChar char="-"/>
+            </a:pPr>
+            <a:endParaRPr lang="en-US" sz="1800" dirty="0"/>
           </a:p>
         </p:txBody>
       </p:sp>
     </p:spTree>
     <p:extLst>
       <p:ext uri="{BB962C8B-B14F-4D97-AF65-F5344CB8AC3E}">
-        <p14:creationId xmlns:p14="http://schemas.microsoft.com/office/powerpoint/2010/main" val="2613105280"/>
+        <p14:creationId xmlns:p14="http://schemas.microsoft.com/office/powerpoint/2010/main" val="695270608"/>
+      </p:ext>
+    </p:extLst>
+  </p:cSld>
+  <p:clrMapOvr>
+    <a:masterClrMapping/>
+  </p:clrMapOvr>
+</p:sld>
+</file>
+
+<file path=ppt/slides/slide4.xml><?xml version="1.0" encoding="utf-8"?>
+<p:sld xmlns:a="http://schemas.openxmlformats.org/drawingml/2006/main" xmlns:r="http://schemas.openxmlformats.org/officeDocument/2006/relationships" xmlns:p="http://schemas.openxmlformats.org/presentationml/2006/main">
+  <p:cSld>
+    <p:spTree>
+      <p:nvGrpSpPr>
+        <p:cNvPr id="1" name=""/>
+        <p:cNvGrpSpPr/>
+        <p:nvPr/>
+      </p:nvGrpSpPr>
+      <p:grpSpPr>
+        <a:xfrm>
+          <a:off x="0" y="0"/>
+          <a:ext cx="0" cy="0"/>
+          <a:chOff x="0" y="0"/>
+          <a:chExt cx="0" cy="0"/>
+        </a:xfrm>
+      </p:grpSpPr>
+      <p:sp>
+        <p:nvSpPr>
+          <p:cNvPr id="2" name="Title 1">
+            <a:extLst>
+              <a:ext uri="{FF2B5EF4-FFF2-40B4-BE49-F238E27FC236}">
+                <a16:creationId xmlns:a16="http://schemas.microsoft.com/office/drawing/2014/main" id="{6040F29D-437D-7539-7F6A-18D0D398FD09}"/>
+              </a:ext>
+            </a:extLst>
+          </p:cNvPr>
+          <p:cNvSpPr>
+            <a:spLocks noGrp="1"/>
+          </p:cNvSpPr>
+          <p:nvPr>
+            <p:ph type="title"/>
+          </p:nvPr>
+        </p:nvSpPr>
+        <p:spPr/>
+        <p:txBody>
+          <a:bodyPr/>
+          <a:lstStyle/>
+          <a:p>
+            <a:endParaRPr lang="en-US"/>
+          </a:p>
+        </p:txBody>
+      </p:sp>
+      <p:sp>
+        <p:nvSpPr>
+          <p:cNvPr id="3" name="Content Placeholder 2">
+            <a:extLst>
+              <a:ext uri="{FF2B5EF4-FFF2-40B4-BE49-F238E27FC236}">
+                <a16:creationId xmlns:a16="http://schemas.microsoft.com/office/drawing/2014/main" id="{82D8613B-82B4-DEF1-532B-E4F8487D14E0}"/>
+              </a:ext>
+            </a:extLst>
+          </p:cNvPr>
+          <p:cNvSpPr>
+            <a:spLocks noGrp="1"/>
+          </p:cNvSpPr>
+          <p:nvPr>
+            <p:ph idx="1"/>
+          </p:nvPr>
+        </p:nvSpPr>
+        <p:spPr/>
+        <p:txBody>
+          <a:bodyPr/>
+          <a:lstStyle/>
+          <a:p>
+            <a:endParaRPr lang="en-US"/>
+          </a:p>
+        </p:txBody>
+      </p:sp>
+    </p:spTree>
+    <p:extLst>
+      <p:ext uri="{BB962C8B-B14F-4D97-AF65-F5344CB8AC3E}">
+        <p14:creationId xmlns:p14="http://schemas.microsoft.com/office/powerpoint/2010/main" val="3923720447"/>
       </p:ext>
     </p:extLst>
   </p:cSld>
